--- a/doc/nature.pptx
+++ b/doc/nature.pptx
@@ -7,6 +7,9 @@
   <p:notesMasterIdLst>
     <p:notesMasterId r:id="rId4"/>
   </p:notesMasterIdLst>
+  <p:handoutMasterIdLst>
+    <p:handoutMasterId r:id="rId22"/>
+  </p:handoutMasterIdLst>
   <p:sldIdLst>
     <p:sldId id="256" r:id="rId3"/>
     <p:sldId id="257" r:id="rId5"/>
@@ -125,6 +128,164 @@
     </a:lvl9pPr>
   </p:defaultTextStyle>
 </p:presentation>
+</file>
+
+<file path=ppt/handoutMasters/handoutMaster1.xml><?xml version="1.0" encoding="utf-8"?>
+<p:handoutMaster xmlns:a="http://schemas.openxmlformats.org/drawingml/2006/main" xmlns:r="http://schemas.openxmlformats.org/officeDocument/2006/relationships" xmlns:p="http://schemas.openxmlformats.org/presentationml/2006/main">
+  <p:cSld>
+    <p:bg>
+      <p:bgRef idx="1001">
+        <a:schemeClr val="bg1"/>
+      </p:bgRef>
+    </p:bg>
+    <p:spTree>
+      <p:nvGrpSpPr>
+        <p:cNvPr id="1" name=""/>
+        <p:cNvGrpSpPr/>
+        <p:nvPr/>
+      </p:nvGrpSpPr>
+      <p:grpSpPr>
+        <a:xfrm>
+          <a:off x="0" y="0"/>
+          <a:ext cx="0" cy="0"/>
+          <a:chOff x="0" y="0"/>
+          <a:chExt cx="0" cy="0"/>
+        </a:xfrm>
+      </p:grpSpPr>
+      <p:sp>
+        <p:nvSpPr>
+          <p:cNvPr id="2" name="页眉占位符 1"/>
+          <p:cNvSpPr>
+            <a:spLocks noGrp="1"/>
+          </p:cNvSpPr>
+          <p:nvPr>
+            <p:ph type="hdr" sz="quarter"/>
+          </p:nvPr>
+        </p:nvSpPr>
+        <p:spPr>
+          <a:xfrm>
+            <a:off x="0" y="0"/>
+            <a:ext cx="2971800" cy="458788"/>
+          </a:xfrm>
+          <a:prstGeom prst="rect">
+            <a:avLst/>
+          </a:prstGeom>
+        </p:spPr>
+        <p:txBody>
+          <a:bodyPr vert="horz" lIns="91440" tIns="45720" rIns="91440" bIns="45720" rtlCol="0"/>
+          <a:lstStyle>
+            <a:lvl1pPr algn="l">
+              <a:defRPr sz="1200"/>
+            </a:lvl1pPr>
+          </a:lstStyle>
+          <a:p>
+            <a:endParaRPr lang="zh-CN" altLang="en-US"/>
+          </a:p>
+        </p:txBody>
+      </p:sp>
+      <p:sp>
+        <p:nvSpPr>
+          <p:cNvPr id="3" name="日期占位符 2"/>
+          <p:cNvSpPr>
+            <a:spLocks noGrp="1"/>
+          </p:cNvSpPr>
+          <p:nvPr>
+            <p:ph type="dt" sz="quarter" idx="1"/>
+          </p:nvPr>
+        </p:nvSpPr>
+        <p:spPr>
+          <a:xfrm>
+            <a:off x="3884613" y="0"/>
+            <a:ext cx="2971800" cy="458788"/>
+          </a:xfrm>
+          <a:prstGeom prst="rect">
+            <a:avLst/>
+          </a:prstGeom>
+        </p:spPr>
+        <p:txBody>
+          <a:bodyPr vert="horz" lIns="91440" tIns="45720" rIns="91440" bIns="45720" rtlCol="0"/>
+          <a:lstStyle>
+            <a:lvl1pPr algn="r">
+              <a:defRPr sz="1200"/>
+            </a:lvl1pPr>
+          </a:lstStyle>
+          <a:p>
+            <a:fld id="{0F9B84EA-7D68-4D60-9CB1-D50884785D1C}" type="datetimeFigureOut">
+              <a:rPr lang="zh-CN" altLang="en-US" smtClean="0"/>
+            </a:fld>
+            <a:endParaRPr lang="zh-CN" altLang="en-US"/>
+          </a:p>
+        </p:txBody>
+      </p:sp>
+      <p:sp>
+        <p:nvSpPr>
+          <p:cNvPr id="4" name="页脚占位符 3"/>
+          <p:cNvSpPr>
+            <a:spLocks noGrp="1"/>
+          </p:cNvSpPr>
+          <p:nvPr>
+            <p:ph type="ftr" sz="quarter" idx="2"/>
+          </p:nvPr>
+        </p:nvSpPr>
+        <p:spPr>
+          <a:xfrm>
+            <a:off x="0" y="8685213"/>
+            <a:ext cx="2971800" cy="458787"/>
+          </a:xfrm>
+          <a:prstGeom prst="rect">
+            <a:avLst/>
+          </a:prstGeom>
+        </p:spPr>
+        <p:txBody>
+          <a:bodyPr vert="horz" lIns="91440" tIns="45720" rIns="91440" bIns="45720" rtlCol="0" anchor="b"/>
+          <a:lstStyle>
+            <a:lvl1pPr algn="l">
+              <a:defRPr sz="1200"/>
+            </a:lvl1pPr>
+          </a:lstStyle>
+          <a:p>
+            <a:endParaRPr lang="zh-CN" altLang="en-US"/>
+          </a:p>
+        </p:txBody>
+      </p:sp>
+      <p:sp>
+        <p:nvSpPr>
+          <p:cNvPr id="5" name="灯片编号占位符 4"/>
+          <p:cNvSpPr>
+            <a:spLocks noGrp="1"/>
+          </p:cNvSpPr>
+          <p:nvPr>
+            <p:ph type="sldNum" sz="quarter" idx="3"/>
+          </p:nvPr>
+        </p:nvSpPr>
+        <p:spPr>
+          <a:xfrm>
+            <a:off x="3884613" y="8685213"/>
+            <a:ext cx="2971800" cy="458787"/>
+          </a:xfrm>
+          <a:prstGeom prst="rect">
+            <a:avLst/>
+          </a:prstGeom>
+        </p:spPr>
+        <p:txBody>
+          <a:bodyPr vert="horz" lIns="91440" tIns="45720" rIns="91440" bIns="45720" rtlCol="0" anchor="b"/>
+          <a:lstStyle>
+            <a:lvl1pPr algn="r">
+              <a:defRPr sz="1200"/>
+            </a:lvl1pPr>
+          </a:lstStyle>
+          <a:p>
+            <a:fld id="{8D4E0FC9-F1F8-4FAE-9988-3BA365CFD46F}" type="slidenum">
+              <a:rPr lang="zh-CN" altLang="en-US" smtClean="0"/>
+            </a:fld>
+            <a:endParaRPr lang="zh-CN" altLang="en-US"/>
+          </a:p>
+        </p:txBody>
+      </p:sp>
+    </p:spTree>
+  </p:cSld>
+  <p:clrMap bg1="lt1" tx1="dk1" bg2="lt2" tx2="dk2" accent1="accent1" accent2="accent2" accent3="accent3" accent4="accent4" accent5="accent5" accent6="accent6" hlink="hlink" folHlink="folHlink"/>
+</p:handoutMaster>
 </file>
 
 <file path=ppt/notesMasters/notesMaster1.xml><?xml version="1.0" encoding="utf-8"?>
@@ -9171,7 +9332,7 @@
           <p:spPr>
             <a:xfrm>
               <a:off x="4731440" y="1636507"/>
-              <a:ext cx="2635885" cy="829945"/>
+              <a:ext cx="2613660" cy="829945"/>
             </a:xfrm>
             <a:prstGeom prst="rect">
               <a:avLst/>
@@ -9190,7 +9351,7 @@
               </a:scene3d>
             </a:bodyPr>
             <a:p>
-              <a:pPr algn="ctr"/>
+              <a:pPr algn="l"/>
               <a:r>
                 <a:rPr lang="en-US" altLang="zh-CN" sz="4800" b="1" dirty="0">
                   <a:ln w="10160">
@@ -9210,7 +9371,7 @@
                     </a:outerShdw>
                   </a:effectLst>
                 </a:rPr>
-                <a:t>convertor</a:t>
+                <a:t>converter</a:t>
               </a:r>
               <a:endParaRPr lang="en-US" altLang="zh-CN" sz="4800" b="1" dirty="0">
                 <a:ln w="10160">
@@ -16017,7 +16178,7 @@
         <p:spPr>
           <a:xfrm>
             <a:off x="179070" y="1691005"/>
-            <a:ext cx="5184140" cy="583565"/>
+            <a:ext cx="5121910" cy="583565"/>
           </a:xfrm>
           <a:prstGeom prst="rect">
             <a:avLst/>
@@ -16064,7 +16225,7 @@
                 </a:effectLst>
                 <a:sym typeface="+mn-ea"/>
               </a:rPr>
-              <a:t>Convertor is just a function</a:t>
+              <a:t>converter is just a function</a:t>
             </a:r>
             <a:endParaRPr lang="en-US" altLang="zh-CN" sz="3200" b="1">
               <a:ln w="25400">
@@ -16262,83 +16423,13 @@
       </p:sp>
       <p:sp>
         <p:nvSpPr>
-          <p:cNvPr id="6" name="文本框 5"/>
-          <p:cNvSpPr txBox="1"/>
-          <p:nvPr/>
-        </p:nvSpPr>
-        <p:spPr>
-          <a:xfrm>
-            <a:off x="741045" y="4987290"/>
-            <a:ext cx="3915410" cy="1568450"/>
-          </a:xfrm>
-          <a:prstGeom prst="rect">
-            <a:avLst/>
-          </a:prstGeom>
-          <a:noFill/>
-        </p:spPr>
-        <p:txBody>
-          <a:bodyPr wrap="square" rtlCol="0" anchor="t">
-            <a:spAutoFit/>
-            <a:scene3d>
-              <a:camera prst="orthographicFront"/>
-              <a:lightRig rig="threePt" dir="t"/>
-            </a:scene3d>
-          </a:bodyPr>
-          <a:p>
-            <a:pPr algn="l"/>
-            <a:r>
-              <a:rPr lang="en-US" altLang="zh-CN" sz="3200" b="1">
-                <a:ln w="10160">
-                  <a:solidFill>
-                    <a:schemeClr val="accent5"/>
-                  </a:solidFill>
-                  <a:prstDash val="solid"/>
-                </a:ln>
-                <a:solidFill>
-                  <a:srgbClr val="FFFFFF"/>
-                </a:solidFill>
-                <a:effectLst>
-                  <a:outerShdw blurRad="38100" dist="22860" dir="5400000" algn="tl" rotWithShape="0">
-                    <a:srgbClr val="000000">
-                      <a:alpha val="30000"/>
-                    </a:srgbClr>
-                  </a:outerShdw>
-                </a:effectLst>
-                <a:sym typeface="+mn-ea"/>
-              </a:rPr>
-              <a:t>Input and output “Thing”s are defined in nature</a:t>
-            </a:r>
-            <a:endParaRPr lang="en-US" altLang="zh-CN" sz="3200" b="1">
-              <a:ln w="10160">
-                <a:solidFill>
-                  <a:schemeClr val="accent5"/>
-                </a:solidFill>
-                <a:prstDash val="solid"/>
-              </a:ln>
-              <a:solidFill>
-                <a:srgbClr val="FFFFFF"/>
-              </a:solidFill>
-              <a:effectLst>
-                <a:outerShdw blurRad="38100" dist="22860" dir="5400000" algn="tl" rotWithShape="0">
-                  <a:srgbClr val="000000">
-                    <a:alpha val="30000"/>
-                  </a:srgbClr>
-                </a:outerShdw>
-              </a:effectLst>
-              <a:sym typeface="+mn-ea"/>
-            </a:endParaRPr>
-          </a:p>
-        </p:txBody>
-      </p:sp>
-      <p:sp>
-        <p:nvSpPr>
           <p:cNvPr id="7" name="文本框 6"/>
           <p:cNvSpPr txBox="1"/>
           <p:nvPr/>
         </p:nvSpPr>
         <p:spPr>
           <a:xfrm>
-            <a:off x="6421120" y="487680"/>
+            <a:off x="179070" y="5227955"/>
             <a:ext cx="2956560" cy="583565"/>
           </a:xfrm>
           <a:prstGeom prst="rect">
@@ -16423,83 +16514,13 @@
       </p:sp>
       <p:sp>
         <p:nvSpPr>
-          <p:cNvPr id="8" name="文本框 7"/>
-          <p:cNvSpPr txBox="1"/>
-          <p:nvPr/>
-        </p:nvSpPr>
-        <p:spPr>
-          <a:xfrm>
-            <a:off x="6989445" y="1071245"/>
-            <a:ext cx="5119370" cy="1568450"/>
-          </a:xfrm>
-          <a:prstGeom prst="rect">
-            <a:avLst/>
-          </a:prstGeom>
-          <a:noFill/>
-        </p:spPr>
-        <p:txBody>
-          <a:bodyPr wrap="square" rtlCol="0" anchor="t">
-            <a:spAutoFit/>
-            <a:scene3d>
-              <a:camera prst="orthographicFront"/>
-              <a:lightRig rig="threePt" dir="t"/>
-            </a:scene3d>
-          </a:bodyPr>
-          <a:p>
-            <a:pPr algn="l"/>
-            <a:r>
-              <a:rPr lang="en-US" altLang="zh-CN" sz="3200" b="1">
-                <a:ln w="10160">
-                  <a:solidFill>
-                    <a:schemeClr val="accent5"/>
-                  </a:solidFill>
-                  <a:prstDash val="solid"/>
-                </a:ln>
-                <a:solidFill>
-                  <a:srgbClr val="FFFFFF"/>
-                </a:solidFill>
-                <a:effectLst>
-                  <a:outerShdw blurRad="38100" dist="22860" dir="5400000" algn="tl" rotWithShape="0">
-                    <a:srgbClr val="000000">
-                      <a:alpha val="30000"/>
-                    </a:srgbClr>
-                  </a:outerShdw>
-                </a:effectLst>
-                <a:sym typeface="+mn-ea"/>
-              </a:rPr>
-              <a:t>Nature use multiple convertors  for different goals</a:t>
-            </a:r>
-            <a:endParaRPr lang="en-US" altLang="zh-CN" sz="3200" b="1">
-              <a:ln w="10160">
-                <a:solidFill>
-                  <a:schemeClr val="accent5"/>
-                </a:solidFill>
-                <a:prstDash val="solid"/>
-              </a:ln>
-              <a:solidFill>
-                <a:srgbClr val="FFFFFF"/>
-              </a:solidFill>
-              <a:effectLst>
-                <a:outerShdw blurRad="38100" dist="22860" dir="5400000" algn="tl" rotWithShape="0">
-                  <a:srgbClr val="000000">
-                    <a:alpha val="30000"/>
-                  </a:srgbClr>
-                </a:outerShdw>
-              </a:effectLst>
-              <a:sym typeface="+mn-ea"/>
-            </a:endParaRPr>
-          </a:p>
-        </p:txBody>
-      </p:sp>
-      <p:sp>
-        <p:nvSpPr>
           <p:cNvPr id="9" name="文本框 8"/>
           <p:cNvSpPr txBox="1"/>
           <p:nvPr/>
         </p:nvSpPr>
         <p:spPr>
           <a:xfrm>
-            <a:off x="6421120" y="2486025"/>
+            <a:off x="6421120" y="1691005"/>
             <a:ext cx="2037080" cy="583565"/>
           </a:xfrm>
           <a:prstGeom prst="rect">
@@ -16590,8 +16611,8 @@
         </p:nvSpPr>
         <p:spPr>
           <a:xfrm>
-            <a:off x="6989445" y="3137535"/>
-            <a:ext cx="3068955" cy="583565"/>
+            <a:off x="6989445" y="2342515"/>
+            <a:ext cx="5148580" cy="583565"/>
           </a:xfrm>
           <a:prstGeom prst="rect">
             <a:avLst/>
@@ -16628,7 +16649,7 @@
                 </a:effectLst>
                 <a:sym typeface="+mn-ea"/>
               </a:rPr>
-              <a:t>Nature can retry</a:t>
+              <a:t>When failed Nature can retry</a:t>
             </a:r>
             <a:endParaRPr lang="en-US" altLang="zh-CN" sz="3200" b="1">
               <a:ln w="10160">
@@ -29737,4 +29758,263 @@
     </a:ext>
   </a:extLst>
 </a:theme>
+</file>
+
+<file path=ppt/theme/theme3.xml><?xml version="1.0" encoding="utf-8"?>
+<a:theme xmlns:a="http://schemas.openxmlformats.org/drawingml/2006/main" name="Office 主题">
+  <a:themeElements>
+    <a:clrScheme name="Office">
+      <a:dk1>
+        <a:sysClr val="windowText" lastClr="000000"/>
+      </a:dk1>
+      <a:lt1>
+        <a:sysClr val="window" lastClr="FFFFFF"/>
+      </a:lt1>
+      <a:dk2>
+        <a:srgbClr val="44546A"/>
+      </a:dk2>
+      <a:lt2>
+        <a:srgbClr val="E7E6E6"/>
+      </a:lt2>
+      <a:accent1>
+        <a:srgbClr val="5B9BD5"/>
+      </a:accent1>
+      <a:accent2>
+        <a:srgbClr val="ED7D31"/>
+      </a:accent2>
+      <a:accent3>
+        <a:srgbClr val="A5A5A5"/>
+      </a:accent3>
+      <a:accent4>
+        <a:srgbClr val="FFC000"/>
+      </a:accent4>
+      <a:accent5>
+        <a:srgbClr val="4472C4"/>
+      </a:accent5>
+      <a:accent6>
+        <a:srgbClr val="70AD47"/>
+      </a:accent6>
+      <a:hlink>
+        <a:srgbClr val="0563C1"/>
+      </a:hlink>
+      <a:folHlink>
+        <a:srgbClr val="954F72"/>
+      </a:folHlink>
+    </a:clrScheme>
+    <a:fontScheme name="Office">
+      <a:majorFont>
+        <a:latin typeface="Calibri Light"/>
+        <a:ea typeface=""/>
+        <a:cs typeface=""/>
+        <a:font script="Jpan" typeface="ＭＳ Ｐゴシック"/>
+        <a:font script="Hang" typeface="맑은 고딕"/>
+        <a:font script="Hans" typeface="宋体"/>
+        <a:font script="Hant" typeface="新細明體"/>
+        <a:font script="Arab" typeface="Times New Roman"/>
+        <a:font script="Hebr" typeface="Times New Roman"/>
+        <a:font script="Thai" typeface="Angsana New"/>
+        <a:font script="Ethi" typeface="Nyala"/>
+        <a:font script="Beng" typeface="Vrinda"/>
+        <a:font script="Gujr" typeface="Shruti"/>
+        <a:font script="Khmr" typeface="MoolBoran"/>
+        <a:font script="Knda" typeface="Tunga"/>
+        <a:font script="Guru" typeface="Raavi"/>
+        <a:font script="Cans" typeface="Euphemia"/>
+        <a:font script="Cher" typeface="Plantagenet Cherokee"/>
+        <a:font script="Yiii" typeface="Microsoft Yi Baiti"/>
+        <a:font script="Tibt" typeface="Microsoft Himalaya"/>
+        <a:font script="Thaa" typeface="MV Boli"/>
+        <a:font script="Deva" typeface="Mangal"/>
+        <a:font script="Telu" typeface="Gautami"/>
+        <a:font script="Taml" typeface="Latha"/>
+        <a:font script="Syrc" typeface="Estrangelo Edessa"/>
+        <a:font script="Orya" typeface="Kalinga"/>
+        <a:font script="Mlym" typeface="Kartika"/>
+        <a:font script="Laoo" typeface="DokChampa"/>
+        <a:font script="Sinh" typeface="Iskoola Pota"/>
+        <a:font script="Mong" typeface="Mongolian Baiti"/>
+        <a:font script="Viet" typeface="Times New Roman"/>
+        <a:font script="Uigh" typeface="Microsoft Uighur"/>
+        <a:font script="Geor" typeface="Sylfaen"/>
+      </a:majorFont>
+      <a:minorFont>
+        <a:latin typeface="Calibri"/>
+        <a:ea typeface=""/>
+        <a:cs typeface=""/>
+        <a:font script="Jpan" typeface="ＭＳ Ｐゴシック"/>
+        <a:font script="Hang" typeface="맑은 고딕"/>
+        <a:font script="Hans" typeface="宋体"/>
+        <a:font script="Hant" typeface="新細明體"/>
+        <a:font script="Arab" typeface="Arial"/>
+        <a:font script="Hebr" typeface="Arial"/>
+        <a:font script="Thai" typeface="Cordia New"/>
+        <a:font script="Ethi" typeface="Nyala"/>
+        <a:font script="Beng" typeface="Vrinda"/>
+        <a:font script="Gujr" typeface="Shruti"/>
+        <a:font script="Khmr" typeface="DaunPenh"/>
+        <a:font script="Knda" typeface="Tunga"/>
+        <a:font script="Guru" typeface="Raavi"/>
+        <a:font script="Cans" typeface="Euphemia"/>
+        <a:font script="Cher" typeface="Plantagenet Cherokee"/>
+        <a:font script="Yiii" typeface="Microsoft Yi Baiti"/>
+        <a:font script="Tibt" typeface="Microsoft Himalaya"/>
+        <a:font script="Thaa" typeface="MV Boli"/>
+        <a:font script="Deva" typeface="Mangal"/>
+        <a:font script="Telu" typeface="Gautami"/>
+        <a:font script="Taml" typeface="Latha"/>
+        <a:font script="Syrc" typeface="Estrangelo Edessa"/>
+        <a:font script="Orya" typeface="Kalinga"/>
+        <a:font script="Mlym" typeface="Kartika"/>
+        <a:font script="Laoo" typeface="DokChampa"/>
+        <a:font script="Sinh" typeface="Iskoola Pota"/>
+        <a:font script="Mong" typeface="Mongolian Baiti"/>
+        <a:font script="Viet" typeface="Arial"/>
+        <a:font script="Uigh" typeface="Microsoft Uighur"/>
+        <a:font script="Geor" typeface="Sylfaen"/>
+      </a:minorFont>
+    </a:fontScheme>
+    <a:fmtScheme name="Office">
+      <a:fillStyleLst>
+        <a:solidFill>
+          <a:schemeClr val="phClr"/>
+        </a:solidFill>
+        <a:gradFill rotWithShape="1">
+          <a:gsLst>
+            <a:gs pos="0">
+              <a:schemeClr val="phClr">
+                <a:lumMod val="110000"/>
+                <a:satMod val="105000"/>
+                <a:tint val="67000"/>
+              </a:schemeClr>
+            </a:gs>
+            <a:gs pos="50000">
+              <a:schemeClr val="phClr">
+                <a:lumMod val="105000"/>
+                <a:satMod val="103000"/>
+                <a:tint val="73000"/>
+              </a:schemeClr>
+            </a:gs>
+            <a:gs pos="100000">
+              <a:schemeClr val="phClr">
+                <a:lumMod val="105000"/>
+                <a:satMod val="109000"/>
+                <a:tint val="81000"/>
+              </a:schemeClr>
+            </a:gs>
+          </a:gsLst>
+          <a:lin ang="5400000" scaled="0"/>
+        </a:gradFill>
+        <a:gradFill rotWithShape="1">
+          <a:gsLst>
+            <a:gs pos="0">
+              <a:schemeClr val="phClr">
+                <a:satMod val="103000"/>
+                <a:lumMod val="102000"/>
+                <a:tint val="94000"/>
+              </a:schemeClr>
+            </a:gs>
+            <a:gs pos="50000">
+              <a:schemeClr val="phClr">
+                <a:satMod val="110000"/>
+                <a:lumMod val="100000"/>
+                <a:shade val="100000"/>
+              </a:schemeClr>
+            </a:gs>
+            <a:gs pos="100000">
+              <a:schemeClr val="phClr">
+                <a:lumMod val="99000"/>
+                <a:satMod val="120000"/>
+                <a:shade val="78000"/>
+              </a:schemeClr>
+            </a:gs>
+          </a:gsLst>
+          <a:lin ang="5400000" scaled="0"/>
+        </a:gradFill>
+      </a:fillStyleLst>
+      <a:lnStyleLst>
+        <a:ln w="6350" cap="flat" cmpd="sng" algn="ctr">
+          <a:solidFill>
+            <a:schemeClr val="phClr"/>
+          </a:solidFill>
+          <a:prstDash val="solid"/>
+          <a:miter lim="800000"/>
+        </a:ln>
+        <a:ln w="12700" cap="flat" cmpd="sng" algn="ctr">
+          <a:solidFill>
+            <a:schemeClr val="phClr"/>
+          </a:solidFill>
+          <a:prstDash val="solid"/>
+          <a:miter lim="800000"/>
+        </a:ln>
+        <a:ln w="19050" cap="flat" cmpd="sng" algn="ctr">
+          <a:solidFill>
+            <a:schemeClr val="phClr"/>
+          </a:solidFill>
+          <a:prstDash val="solid"/>
+          <a:miter lim="800000"/>
+        </a:ln>
+      </a:lnStyleLst>
+      <a:effectStyleLst>
+        <a:effectStyle>
+          <a:effectLst/>
+        </a:effectStyle>
+        <a:effectStyle>
+          <a:effectLst/>
+        </a:effectStyle>
+        <a:effectStyle>
+          <a:effectLst>
+            <a:outerShdw blurRad="57150" dist="19050" dir="5400000" algn="ctr" rotWithShape="0">
+              <a:srgbClr val="000000">
+                <a:alpha val="63000"/>
+              </a:srgbClr>
+            </a:outerShdw>
+          </a:effectLst>
+        </a:effectStyle>
+      </a:effectStyleLst>
+      <a:bgFillStyleLst>
+        <a:solidFill>
+          <a:schemeClr val="phClr"/>
+        </a:solidFill>
+        <a:solidFill>
+          <a:schemeClr val="phClr">
+            <a:tint val="95000"/>
+            <a:satMod val="170000"/>
+          </a:schemeClr>
+        </a:solidFill>
+        <a:gradFill rotWithShape="1">
+          <a:gsLst>
+            <a:gs pos="0">
+              <a:schemeClr val="phClr">
+                <a:tint val="93000"/>
+                <a:satMod val="150000"/>
+                <a:shade val="98000"/>
+                <a:lumMod val="102000"/>
+              </a:schemeClr>
+            </a:gs>
+            <a:gs pos="50000">
+              <a:schemeClr val="phClr">
+                <a:tint val="98000"/>
+                <a:satMod val="130000"/>
+                <a:shade val="90000"/>
+                <a:lumMod val="103000"/>
+              </a:schemeClr>
+            </a:gs>
+            <a:gs pos="100000">
+              <a:schemeClr val="phClr">
+                <a:shade val="63000"/>
+                <a:satMod val="120000"/>
+              </a:schemeClr>
+            </a:gs>
+          </a:gsLst>
+          <a:lin ang="5400000" scaled="0"/>
+        </a:gradFill>
+      </a:bgFillStyleLst>
+    </a:fmtScheme>
+  </a:themeElements>
+  <a:extLst>
+    <a:ext uri="{05A4C25C-085E-4340-85A3-A5531E510DB2}">
+      <thm15:themeFamily xmlns:thm15="http://schemas.microsoft.com/office/thememl/2012/main" name="Office Theme" id="{62F939B6-93AF-4DB8-9C6B-D6C7DFDC589F}" vid="{4A3C46E8-61CC-4603-A589-7422A47A8E4A}"/>
+    </a:ext>
+  </a:extLst>
+</a:theme>
 </file>
--- a/doc/nature.pptx
+++ b/doc/nature.pptx
@@ -4375,15 +4375,9 @@
   <p:cSld>
     <p:bg>
       <p:bgPr>
-        <a:blipFill dpi="0" rotWithShape="0">
-          <a:blip r:embed="rId12">
-            <a:lum/>
-          </a:blip>
-          <a:srcRect/>
-          <a:stretch>
-            <a:fillRect t="-37000" b="-37000"/>
-          </a:stretch>
-        </a:blipFill>
+        <a:solidFill>
+          <a:schemeClr val="bg1"/>
+        </a:solidFill>
         <a:effectLst/>
       </p:bgPr>
     </p:bg>
@@ -5002,7 +4996,7 @@
         <p:spPr>
           <a:xfrm>
             <a:off x="3536950" y="2969895"/>
-            <a:ext cx="5586095" cy="1938020"/>
+            <a:ext cx="4173220" cy="2306955"/>
           </a:xfrm>
           <a:prstGeom prst="rect">
             <a:avLst/>
@@ -5080,7 +5074,73 @@
                 </a:effectLst>
                 <a:sym typeface="+mn-ea"/>
               </a:rPr>
-              <a:t>Top-level business architecture visualization</a:t>
+              <a:t>Top-level business architecture</a:t>
+            </a:r>
+            <a:endParaRPr sz="2400" dirty="0">
+              <a:ln w="10160">
+                <a:solidFill>
+                  <a:schemeClr val="accent5"/>
+                </a:solidFill>
+                <a:prstDash val="solid"/>
+              </a:ln>
+              <a:solidFill>
+                <a:srgbClr val="FFFFFF"/>
+              </a:solidFill>
+              <a:effectLst>
+                <a:outerShdw blurRad="38100" dist="22860" dir="5400000" algn="tl" rotWithShape="0">
+                  <a:srgbClr val="000000">
+                    <a:alpha val="30000"/>
+                  </a:srgbClr>
+                </a:outerShdw>
+              </a:effectLst>
+              <a:sym typeface="+mn-ea"/>
+            </a:endParaRPr>
+          </a:p>
+          <a:p>
+            <a:pPr algn="l"/>
+            <a:r>
+              <a:rPr lang="en-US" sz="2400" dirty="0">
+                <a:ln w="10160">
+                  <a:solidFill>
+                    <a:schemeClr val="accent5"/>
+                  </a:solidFill>
+                  <a:prstDash val="solid"/>
+                </a:ln>
+                <a:solidFill>
+                  <a:srgbClr val="FFFFFF"/>
+                </a:solidFill>
+                <a:effectLst>
+                  <a:outerShdw blurRad="38100" dist="22860" dir="5400000" algn="tl" rotWithShape="0">
+                    <a:srgbClr val="000000">
+                      <a:alpha val="30000"/>
+                    </a:srgbClr>
+                  </a:outerShdw>
+                </a:effectLst>
+                <a:sym typeface="+mn-ea"/>
+              </a:rPr>
+              <a:t>V</a:t>
+            </a:r>
+            <a:r>
+              <a:rPr sz="2400" dirty="0">
+                <a:ln w="10160">
+                  <a:solidFill>
+                    <a:schemeClr val="accent5"/>
+                  </a:solidFill>
+                  <a:prstDash val="solid"/>
+                </a:ln>
+                <a:solidFill>
+                  <a:srgbClr val="FFFFFF"/>
+                </a:solidFill>
+                <a:effectLst>
+                  <a:outerShdw blurRad="38100" dist="22860" dir="5400000" algn="tl" rotWithShape="0">
+                    <a:srgbClr val="000000">
+                      <a:alpha val="30000"/>
+                    </a:srgbClr>
+                  </a:outerShdw>
+                </a:effectLst>
+                <a:sym typeface="+mn-ea"/>
+              </a:rPr>
+              <a:t>isualization</a:t>
             </a:r>
             <a:br>
               <a:rPr sz="2400" dirty="0">
@@ -17169,7 +17229,7 @@
           <a:lstStyle/>
           <a:p>
             <a:r>
-              <a:rPr lang="en-US" altLang="zh-CN" sz="4000" dirty="0" smtClean="0">
+              <a:rPr lang="en-US" altLang="zh-CN" sz="4000" dirty="0">
                 <a:ln w="10160">
                   <a:solidFill>
                     <a:schemeClr val="accent5"/>
@@ -17186,8 +17246,9 @@
                     </a:srgbClr>
                   </a:outerShdw>
                 </a:effectLst>
+                <a:sym typeface="+mn-ea"/>
               </a:rPr>
-              <a:t>Pain spot</a:t>
+              <a:t>Pain spots of reality</a:t>
             </a:r>
             <a:endParaRPr lang="en-US" altLang="zh-CN" sz="4000" dirty="0" smtClean="0">
               <a:ln w="10160">
@@ -17332,8 +17393,8 @@
         </p:nvSpPr>
         <p:spPr>
           <a:xfrm>
-            <a:off x="4505027" y="2829560"/>
-            <a:ext cx="3597275" cy="1198880"/>
+            <a:off x="2569547" y="2829560"/>
+            <a:ext cx="7468235" cy="1198880"/>
           </a:xfrm>
           <a:prstGeom prst="rect">
             <a:avLst/>
@@ -17374,7 +17435,7 @@
                 </a:effectLst>
                 <a:sym typeface="+mn-ea"/>
               </a:rPr>
-              <a:t>Pain spot</a:t>
+              <a:t>Pain spots of reality</a:t>
             </a:r>
             <a:endParaRPr lang="en-US" altLang="zh-CN" sz="7200" dirty="0">
               <a:ln w="10160">
@@ -17534,475 +17595,6 @@
           </a:p>
         </p:txBody>
       </p:sp>
-      <p:pic>
-        <p:nvPicPr>
-          <p:cNvPr id="3" name="图片 2"/>
-          <p:cNvPicPr>
-            <a:picLocks noChangeAspect="1"/>
-          </p:cNvPicPr>
-          <p:nvPr/>
-        </p:nvPicPr>
-        <p:blipFill>
-          <a:blip r:embed="rId1">
-            <a:extLst>
-              <a:ext uri="{BEBA8EAE-BF5A-486C-A8C5-ECC9F3942E4B}">
-                <a14:imgProps xmlns:a14="http://schemas.microsoft.com/office/drawing/2010/main">
-                  <a14:imgLayer r:embed="rId2"/>
-                </a14:imgProps>
-              </a:ext>
-            </a:extLst>
-          </a:blip>
-          <a:srcRect/>
-          <a:stretch>
-            <a:fillRect/>
-          </a:stretch>
-        </p:blipFill>
-        <p:spPr>
-          <a:xfrm>
-            <a:off x="838200" y="1691005"/>
-            <a:ext cx="2407920" cy="2407920"/>
-          </a:xfrm>
-          <a:prstGeom prst="rect">
-            <a:avLst/>
-          </a:prstGeom>
-        </p:spPr>
-      </p:pic>
-      <p:sp>
-        <p:nvSpPr>
-          <p:cNvPr id="141" name=" 141"/>
-          <p:cNvSpPr/>
-          <p:nvPr/>
-        </p:nvSpPr>
-        <p:spPr>
-          <a:xfrm>
-            <a:off x="4163060" y="2110740"/>
-            <a:ext cx="3608070" cy="1367790"/>
-          </a:xfrm>
-          <a:custGeom>
-            <a:avLst/>
-            <a:gdLst>
-              <a:gd name="connsiteX0" fmla="*/ 4710315 w 7544313"/>
-              <a:gd name="connsiteY0" fmla="*/ 0 h 5784389"/>
-              <a:gd name="connsiteX1" fmla="*/ 5164538 w 7544313"/>
-              <a:gd name="connsiteY1" fmla="*/ 188144 h 5784389"/>
-              <a:gd name="connsiteX2" fmla="*/ 7343753 w 7544313"/>
-              <a:gd name="connsiteY2" fmla="*/ 2367358 h 5784389"/>
-              <a:gd name="connsiteX3" fmla="*/ 7428050 w 7544313"/>
-              <a:gd name="connsiteY3" fmla="*/ 2469120 h 5784389"/>
-              <a:gd name="connsiteX4" fmla="*/ 7438311 w 7544313"/>
-              <a:gd name="connsiteY4" fmla="*/ 2487626 h 5784389"/>
-              <a:gd name="connsiteX5" fmla="*/ 7479289 w 7544313"/>
-              <a:gd name="connsiteY5" fmla="*/ 2563973 h 5784389"/>
-              <a:gd name="connsiteX6" fmla="*/ 7544313 w 7544313"/>
-              <a:gd name="connsiteY6" fmla="*/ 2891210 h 5784389"/>
-              <a:gd name="connsiteX7" fmla="*/ 7479289 w 7544313"/>
-              <a:gd name="connsiteY7" fmla="*/ 3218447 h 5784389"/>
-              <a:gd name="connsiteX8" fmla="*/ 7454433 w 7544313"/>
-              <a:gd name="connsiteY8" fmla="*/ 3276193 h 5784389"/>
-              <a:gd name="connsiteX9" fmla="*/ 7421357 w 7544313"/>
-              <a:gd name="connsiteY9" fmla="*/ 3318247 h 5784389"/>
-              <a:gd name="connsiteX10" fmla="*/ 7325947 w 7544313"/>
-              <a:gd name="connsiteY10" fmla="*/ 3417030 h 5784389"/>
-              <a:gd name="connsiteX11" fmla="*/ 5146732 w 7544313"/>
-              <a:gd name="connsiteY11" fmla="*/ 5596244 h 5784389"/>
-              <a:gd name="connsiteX12" fmla="*/ 4238287 w 7544313"/>
-              <a:gd name="connsiteY12" fmla="*/ 5596244 h 5784389"/>
-              <a:gd name="connsiteX13" fmla="*/ 4238287 w 7544313"/>
-              <a:gd name="connsiteY13" fmla="*/ 4687801 h 5784389"/>
-              <a:gd name="connsiteX14" fmla="*/ 5378425 w 7544313"/>
-              <a:gd name="connsiteY14" fmla="*/ 3547663 h 5784389"/>
-              <a:gd name="connsiteX15" fmla="*/ 642367 w 7544313"/>
-              <a:gd name="connsiteY15" fmla="*/ 3547663 h 5784389"/>
-              <a:gd name="connsiteX16" fmla="*/ 0 w 7544313"/>
-              <a:gd name="connsiteY16" fmla="*/ 2905296 h 5784389"/>
-              <a:gd name="connsiteX17" fmla="*/ 642367 w 7544313"/>
-              <a:gd name="connsiteY17" fmla="*/ 2262930 h 5784389"/>
-              <a:gd name="connsiteX18" fmla="*/ 5422435 w 7544313"/>
-              <a:gd name="connsiteY18" fmla="*/ 2262930 h 5784389"/>
-              <a:gd name="connsiteX19" fmla="*/ 4256093 w 7544313"/>
-              <a:gd name="connsiteY19" fmla="*/ 1096587 h 5784389"/>
-              <a:gd name="connsiteX20" fmla="*/ 4256093 w 7544313"/>
-              <a:gd name="connsiteY20" fmla="*/ 188144 h 5784389"/>
-              <a:gd name="connsiteX21" fmla="*/ 4710315 w 7544313"/>
-              <a:gd name="connsiteY21" fmla="*/ 0 h 5784389"/>
-            </a:gdLst>
-            <a:ahLst/>
-            <a:cxnLst>
-              <a:cxn ang="0">
-                <a:pos x="connsiteX0" y="connsiteY0"/>
-              </a:cxn>
-              <a:cxn ang="0">
-                <a:pos x="connsiteX1" y="connsiteY1"/>
-              </a:cxn>
-              <a:cxn ang="0">
-                <a:pos x="connsiteX2" y="connsiteY2"/>
-              </a:cxn>
-              <a:cxn ang="0">
-                <a:pos x="connsiteX3" y="connsiteY3"/>
-              </a:cxn>
-              <a:cxn ang="0">
-                <a:pos x="connsiteX4" y="connsiteY4"/>
-              </a:cxn>
-              <a:cxn ang="0">
-                <a:pos x="connsiteX5" y="connsiteY5"/>
-              </a:cxn>
-              <a:cxn ang="0">
-                <a:pos x="connsiteX6" y="connsiteY6"/>
-              </a:cxn>
-              <a:cxn ang="0">
-                <a:pos x="connsiteX7" y="connsiteY7"/>
-              </a:cxn>
-              <a:cxn ang="0">
-                <a:pos x="connsiteX8" y="connsiteY8"/>
-              </a:cxn>
-              <a:cxn ang="0">
-                <a:pos x="connsiteX9" y="connsiteY9"/>
-              </a:cxn>
-              <a:cxn ang="0">
-                <a:pos x="connsiteX10" y="connsiteY10"/>
-              </a:cxn>
-              <a:cxn ang="0">
-                <a:pos x="connsiteX11" y="connsiteY11"/>
-              </a:cxn>
-              <a:cxn ang="0">
-                <a:pos x="connsiteX12" y="connsiteY12"/>
-              </a:cxn>
-              <a:cxn ang="0">
-                <a:pos x="connsiteX13" y="connsiteY13"/>
-              </a:cxn>
-              <a:cxn ang="0">
-                <a:pos x="connsiteX14" y="connsiteY14"/>
-              </a:cxn>
-              <a:cxn ang="0">
-                <a:pos x="connsiteX15" y="connsiteY15"/>
-              </a:cxn>
-              <a:cxn ang="0">
-                <a:pos x="connsiteX16" y="connsiteY16"/>
-              </a:cxn>
-              <a:cxn ang="0">
-                <a:pos x="connsiteX17" y="connsiteY17"/>
-              </a:cxn>
-              <a:cxn ang="0">
-                <a:pos x="connsiteX18" y="connsiteY18"/>
-              </a:cxn>
-              <a:cxn ang="0">
-                <a:pos x="connsiteX19" y="connsiteY19"/>
-              </a:cxn>
-              <a:cxn ang="0">
-                <a:pos x="connsiteX20" y="connsiteY20"/>
-              </a:cxn>
-              <a:cxn ang="0">
-                <a:pos x="connsiteX21" y="connsiteY21"/>
-              </a:cxn>
-            </a:cxnLst>
-            <a:rect l="l" t="t" r="r" b="b"/>
-            <a:pathLst>
-              <a:path w="7544313" h="5784389">
-                <a:moveTo>
-                  <a:pt x="4710315" y="0"/>
-                </a:moveTo>
-                <a:cubicBezTo>
-                  <a:pt x="4874713" y="0"/>
-                  <a:pt x="5039107" y="62713"/>
-                  <a:pt x="5164538" y="188144"/>
-                </a:cubicBezTo>
-                <a:lnTo>
-                  <a:pt x="7343753" y="2367358"/>
-                </a:lnTo>
-                <a:cubicBezTo>
-                  <a:pt x="7375110" y="2398716"/>
-                  <a:pt x="7403341" y="2432905"/>
-                  <a:pt x="7428050" y="2469120"/>
-                </a:cubicBezTo>
-                <a:lnTo>
-                  <a:pt x="7438311" y="2487626"/>
-                </a:lnTo>
-                <a:lnTo>
-                  <a:pt x="7479289" y="2563973"/>
-                </a:lnTo>
-                <a:cubicBezTo>
-                  <a:pt x="7520342" y="2657385"/>
-                  <a:pt x="7544313" y="2769994"/>
-                  <a:pt x="7544313" y="2891210"/>
-                </a:cubicBezTo>
-                <a:cubicBezTo>
-                  <a:pt x="7544313" y="3012426"/>
-                  <a:pt x="7520342" y="3125035"/>
-                  <a:pt x="7479289" y="3218447"/>
-                </a:cubicBezTo>
-                <a:lnTo>
-                  <a:pt x="7454433" y="3276193"/>
-                </a:lnTo>
-                <a:lnTo>
-                  <a:pt x="7421357" y="3318247"/>
-                </a:lnTo>
-                <a:cubicBezTo>
-                  <a:pt x="7391886" y="3351882"/>
-                  <a:pt x="7357304" y="3385674"/>
-                  <a:pt x="7325947" y="3417030"/>
-                </a:cubicBezTo>
-                <a:lnTo>
-                  <a:pt x="5146732" y="5596244"/>
-                </a:lnTo>
-                <a:cubicBezTo>
-                  <a:pt x="4895873" y="5847104"/>
-                  <a:pt x="4489147" y="5847104"/>
-                  <a:pt x="4238287" y="5596244"/>
-                </a:cubicBezTo>
-                <a:cubicBezTo>
-                  <a:pt x="3987430" y="5345384"/>
-                  <a:pt x="3987430" y="4938661"/>
-                  <a:pt x="4238287" y="4687801"/>
-                </a:cubicBezTo>
-                <a:lnTo>
-                  <a:pt x="5378425" y="3547663"/>
-                </a:lnTo>
-                <a:lnTo>
-                  <a:pt x="642367" y="3547663"/>
-                </a:lnTo>
-                <a:cubicBezTo>
-                  <a:pt x="287598" y="3547663"/>
-                  <a:pt x="0" y="3260065"/>
-                  <a:pt x="0" y="2905296"/>
-                </a:cubicBezTo>
-                <a:cubicBezTo>
-                  <a:pt x="0" y="2550527"/>
-                  <a:pt x="287598" y="2262930"/>
-                  <a:pt x="642367" y="2262930"/>
-                </a:cubicBezTo>
-                <a:lnTo>
-                  <a:pt x="5422435" y="2262930"/>
-                </a:lnTo>
-                <a:lnTo>
-                  <a:pt x="4256093" y="1096587"/>
-                </a:lnTo>
-                <a:cubicBezTo>
-                  <a:pt x="4005235" y="845727"/>
-                  <a:pt x="4005235" y="439004"/>
-                  <a:pt x="4256093" y="188144"/>
-                </a:cubicBezTo>
-                <a:cubicBezTo>
-                  <a:pt x="4381524" y="62713"/>
-                  <a:pt x="4545918" y="0"/>
-                  <a:pt x="4710315" y="0"/>
-                </a:cubicBezTo>
-                <a:close/>
-              </a:path>
-            </a:pathLst>
-          </a:custGeom>
-          <a:solidFill>
-            <a:schemeClr val="accent6">
-              <a:lumMod val="75000"/>
-            </a:schemeClr>
-          </a:solidFill>
-          <a:ln>
-            <a:noFill/>
-          </a:ln>
-        </p:spPr>
-        <p:style>
-          <a:lnRef idx="2">
-            <a:schemeClr val="accent1">
-              <a:shade val="50000"/>
-            </a:schemeClr>
-          </a:lnRef>
-          <a:fillRef idx="1">
-            <a:schemeClr val="accent1"/>
-          </a:fillRef>
-          <a:effectRef idx="0">
-            <a:schemeClr val="accent1"/>
-          </a:effectRef>
-          <a:fontRef idx="minor">
-            <a:schemeClr val="lt1"/>
-          </a:fontRef>
-        </p:style>
-        <p:txBody>
-          <a:bodyPr anchor="ctr">
-            <a:scene3d>
-              <a:camera prst="orthographicFront"/>
-              <a:lightRig rig="threePt" dir="t"/>
-            </a:scene3d>
-            <a:sp3d>
-              <a:contourClr>
-                <a:srgbClr val="FFFFFF"/>
-              </a:contourClr>
-            </a:sp3d>
-          </a:bodyPr>
-          <a:lstStyle>
-            <a:defPPr>
-              <a:defRPr lang="zh-CN"/>
-            </a:defPPr>
-            <a:lvl1pPr algn="l" rtl="0" eaLnBrk="0" fontAlgn="base" hangingPunct="0">
-              <a:spcBef>
-                <a:spcPct val="0"/>
-              </a:spcBef>
-              <a:spcAft>
-                <a:spcPct val="0"/>
-              </a:spcAft>
-              <a:defRPr kern="1200">
-                <a:solidFill>
-                  <a:schemeClr val="lt1"/>
-                </a:solidFill>
-                <a:latin typeface="+mn-lt"/>
-                <a:ea typeface="+mn-ea"/>
-                <a:cs typeface="+mn-cs"/>
-              </a:defRPr>
-            </a:lvl1pPr>
-            <a:lvl2pPr marL="457200" algn="l" rtl="0" eaLnBrk="0" fontAlgn="base" hangingPunct="0">
-              <a:spcBef>
-                <a:spcPct val="0"/>
-              </a:spcBef>
-              <a:spcAft>
-                <a:spcPct val="0"/>
-              </a:spcAft>
-              <a:defRPr kern="1200">
-                <a:solidFill>
-                  <a:schemeClr val="lt1"/>
-                </a:solidFill>
-                <a:latin typeface="+mn-lt"/>
-                <a:ea typeface="+mn-ea"/>
-                <a:cs typeface="+mn-cs"/>
-              </a:defRPr>
-            </a:lvl2pPr>
-            <a:lvl3pPr marL="914400" algn="l" rtl="0" eaLnBrk="0" fontAlgn="base" hangingPunct="0">
-              <a:spcBef>
-                <a:spcPct val="0"/>
-              </a:spcBef>
-              <a:spcAft>
-                <a:spcPct val="0"/>
-              </a:spcAft>
-              <a:defRPr kern="1200">
-                <a:solidFill>
-                  <a:schemeClr val="lt1"/>
-                </a:solidFill>
-                <a:latin typeface="+mn-lt"/>
-                <a:ea typeface="+mn-ea"/>
-                <a:cs typeface="+mn-cs"/>
-              </a:defRPr>
-            </a:lvl3pPr>
-            <a:lvl4pPr marL="1371600" algn="l" rtl="0" eaLnBrk="0" fontAlgn="base" hangingPunct="0">
-              <a:spcBef>
-                <a:spcPct val="0"/>
-              </a:spcBef>
-              <a:spcAft>
-                <a:spcPct val="0"/>
-              </a:spcAft>
-              <a:defRPr kern="1200">
-                <a:solidFill>
-                  <a:schemeClr val="lt1"/>
-                </a:solidFill>
-                <a:latin typeface="+mn-lt"/>
-                <a:ea typeface="+mn-ea"/>
-                <a:cs typeface="+mn-cs"/>
-              </a:defRPr>
-            </a:lvl4pPr>
-            <a:lvl5pPr marL="1828800" algn="l" rtl="0" eaLnBrk="0" fontAlgn="base" hangingPunct="0">
-              <a:spcBef>
-                <a:spcPct val="0"/>
-              </a:spcBef>
-              <a:spcAft>
-                <a:spcPct val="0"/>
-              </a:spcAft>
-              <a:defRPr kern="1200">
-                <a:solidFill>
-                  <a:schemeClr val="lt1"/>
-                </a:solidFill>
-                <a:latin typeface="+mn-lt"/>
-                <a:ea typeface="+mn-ea"/>
-                <a:cs typeface="+mn-cs"/>
-              </a:defRPr>
-            </a:lvl5pPr>
-            <a:lvl6pPr marL="2286000" algn="l" defTabSz="914400" rtl="0" eaLnBrk="1" latinLnBrk="0" hangingPunct="1">
-              <a:defRPr kern="1200">
-                <a:solidFill>
-                  <a:schemeClr val="lt1"/>
-                </a:solidFill>
-                <a:latin typeface="+mn-lt"/>
-                <a:ea typeface="+mn-ea"/>
-                <a:cs typeface="+mn-cs"/>
-              </a:defRPr>
-            </a:lvl6pPr>
-            <a:lvl7pPr marL="2743200" algn="l" defTabSz="914400" rtl="0" eaLnBrk="1" latinLnBrk="0" hangingPunct="1">
-              <a:defRPr kern="1200">
-                <a:solidFill>
-                  <a:schemeClr val="lt1"/>
-                </a:solidFill>
-                <a:latin typeface="+mn-lt"/>
-                <a:ea typeface="+mn-ea"/>
-                <a:cs typeface="+mn-cs"/>
-              </a:defRPr>
-            </a:lvl7pPr>
-            <a:lvl8pPr marL="3200400" algn="l" defTabSz="914400" rtl="0" eaLnBrk="1" latinLnBrk="0" hangingPunct="1">
-              <a:defRPr kern="1200">
-                <a:solidFill>
-                  <a:schemeClr val="lt1"/>
-                </a:solidFill>
-                <a:latin typeface="+mn-lt"/>
-                <a:ea typeface="+mn-ea"/>
-                <a:cs typeface="+mn-cs"/>
-              </a:defRPr>
-            </a:lvl8pPr>
-            <a:lvl9pPr marL="3657600" algn="l" defTabSz="914400" rtl="0" eaLnBrk="1" latinLnBrk="0" hangingPunct="1">
-              <a:defRPr kern="1200">
-                <a:solidFill>
-                  <a:schemeClr val="lt1"/>
-                </a:solidFill>
-                <a:latin typeface="+mn-lt"/>
-                <a:ea typeface="+mn-ea"/>
-                <a:cs typeface="+mn-cs"/>
-              </a:defRPr>
-            </a:lvl9pPr>
-          </a:lstStyle>
-          <a:p>
-            <a:pPr algn="ctr" eaLnBrk="1" fontAlgn="auto" hangingPunct="1">
-              <a:spcBef>
-                <a:spcPts val="0"/>
-              </a:spcBef>
-              <a:spcAft>
-                <a:spcPts val="0"/>
-              </a:spcAft>
-              <a:defRPr/>
-            </a:pPr>
-            <a:endParaRPr lang="zh-CN" altLang="en-US">
-              <a:solidFill>
-                <a:srgbClr val="FFFFFF"/>
-              </a:solidFill>
-            </a:endParaRPr>
-          </a:p>
-        </p:txBody>
-      </p:sp>
-      <p:pic>
-        <p:nvPicPr>
-          <p:cNvPr id="5" name="图片 4"/>
-          <p:cNvPicPr>
-            <a:picLocks noChangeAspect="1"/>
-          </p:cNvPicPr>
-          <p:nvPr/>
-        </p:nvPicPr>
-        <p:blipFill>
-          <a:blip r:embed="rId1">
-            <a:extLst>
-              <a:ext uri="{BEBA8EAE-BF5A-486C-A8C5-ECC9F3942E4B}">
-                <a14:imgProps xmlns:a14="http://schemas.microsoft.com/office/drawing/2010/main">
-                  <a14:imgLayer r:embed="rId2"/>
-                </a14:imgProps>
-              </a:ext>
-            </a:extLst>
-          </a:blip>
-          <a:srcRect/>
-          <a:stretch>
-            <a:fillRect/>
-          </a:stretch>
-        </p:blipFill>
-        <p:spPr>
-          <a:xfrm>
-            <a:off x="8687435" y="1772920"/>
-            <a:ext cx="2407920" cy="2407920"/>
-          </a:xfrm>
-          <a:prstGeom prst="rect">
-            <a:avLst/>
-          </a:prstGeom>
-        </p:spPr>
-      </p:pic>
       <p:sp>
         <p:nvSpPr>
           <p:cNvPr id="6" name="文本框 5"/>
@@ -18011,7 +17603,7 @@
         </p:nvSpPr>
         <p:spPr>
           <a:xfrm>
-            <a:off x="1393825" y="4300220"/>
+            <a:off x="1555115" y="2494280"/>
             <a:ext cx="1296670" cy="460375"/>
           </a:xfrm>
           <a:prstGeom prst="rect">
@@ -18020,7 +17612,7 @@
           <a:noFill/>
         </p:spPr>
         <p:txBody>
-          <a:bodyPr wrap="none" rtlCol="0">
+          <a:bodyPr wrap="square" rtlCol="0">
             <a:spAutoFit/>
             <a:scene3d>
               <a:camera prst="orthographicFront"/>
@@ -18048,73 +17640,6 @@
                 </a:effectLst>
               </a:rPr>
               <a:t>service A</a:t>
-            </a:r>
-            <a:endParaRPr lang="en-US" altLang="zh-CN" sz="2400">
-              <a:ln w="10160">
-                <a:solidFill>
-                  <a:schemeClr val="accent5"/>
-                </a:solidFill>
-                <a:prstDash val="solid"/>
-              </a:ln>
-              <a:solidFill>
-                <a:srgbClr val="FFFFFF"/>
-              </a:solidFill>
-              <a:effectLst>
-                <a:outerShdw blurRad="38100" dist="22860" dir="5400000" algn="tl" rotWithShape="0">
-                  <a:srgbClr val="000000">
-                    <a:alpha val="30000"/>
-                  </a:srgbClr>
-                </a:outerShdw>
-              </a:effectLst>
-            </a:endParaRPr>
-          </a:p>
-        </p:txBody>
-      </p:sp>
-      <p:sp>
-        <p:nvSpPr>
-          <p:cNvPr id="17" name="文本框 16"/>
-          <p:cNvSpPr txBox="1"/>
-          <p:nvPr/>
-        </p:nvSpPr>
-        <p:spPr>
-          <a:xfrm>
-            <a:off x="9248775" y="4300220"/>
-            <a:ext cx="1285875" cy="460375"/>
-          </a:xfrm>
-          <a:prstGeom prst="rect">
-            <a:avLst/>
-          </a:prstGeom>
-          <a:noFill/>
-        </p:spPr>
-        <p:txBody>
-          <a:bodyPr wrap="none" rtlCol="0">
-            <a:spAutoFit/>
-            <a:scene3d>
-              <a:camera prst="orthographicFront"/>
-              <a:lightRig rig="threePt" dir="t"/>
-            </a:scene3d>
-          </a:bodyPr>
-          <a:p>
-            <a:r>
-              <a:rPr lang="en-US" altLang="zh-CN" sz="2400">
-                <a:ln w="10160">
-                  <a:solidFill>
-                    <a:schemeClr val="accent5"/>
-                  </a:solidFill>
-                  <a:prstDash val="solid"/>
-                </a:ln>
-                <a:solidFill>
-                  <a:srgbClr val="FFFFFF"/>
-                </a:solidFill>
-                <a:effectLst>
-                  <a:outerShdw blurRad="38100" dist="22860" dir="5400000" algn="tl" rotWithShape="0">
-                    <a:srgbClr val="000000">
-                      <a:alpha val="30000"/>
-                    </a:srgbClr>
-                  </a:outerShdw>
-                </a:effectLst>
-              </a:rPr>
-              <a:t>service B</a:t>
             </a:r>
             <a:endParaRPr lang="en-US" altLang="zh-CN" sz="2400">
               <a:ln w="10160">
@@ -18355,6 +17880,131 @@
           </a:p>
         </p:txBody>
       </p:sp>
+      <p:sp>
+        <p:nvSpPr>
+          <p:cNvPr id="4" name="七角星 3"/>
+          <p:cNvSpPr/>
+          <p:nvPr/>
+        </p:nvSpPr>
+        <p:spPr>
+          <a:xfrm>
+            <a:off x="1200150" y="1495425"/>
+            <a:ext cx="2457450" cy="2457450"/>
+          </a:xfrm>
+          <a:prstGeom prst="star7">
+            <a:avLst/>
+          </a:prstGeom>
+        </p:spPr>
+        <p:style>
+          <a:lnRef idx="2">
+            <a:schemeClr val="accent1">
+              <a:shade val="50000"/>
+            </a:schemeClr>
+          </a:lnRef>
+          <a:fillRef idx="1">
+            <a:schemeClr val="accent1"/>
+          </a:fillRef>
+          <a:effectRef idx="0">
+            <a:schemeClr val="accent1"/>
+          </a:effectRef>
+          <a:fontRef idx="minor">
+            <a:schemeClr val="lt1"/>
+          </a:fontRef>
+        </p:style>
+        <p:txBody>
+          <a:bodyPr rtlCol="0" anchor="ctr"/>
+          <a:p>
+            <a:pPr algn="ctr"/>
+            <a:r>
+              <a:rPr lang="en-US" altLang="zh-CN" sz="2800"/>
+              <a:t>Service A</a:t>
+            </a:r>
+            <a:endParaRPr lang="en-US" altLang="zh-CN" sz="2800"/>
+          </a:p>
+        </p:txBody>
+      </p:sp>
+      <p:sp>
+        <p:nvSpPr>
+          <p:cNvPr id="9" name="七角星 8"/>
+          <p:cNvSpPr/>
+          <p:nvPr/>
+        </p:nvSpPr>
+        <p:spPr>
+          <a:xfrm>
+            <a:off x="8151495" y="1495425"/>
+            <a:ext cx="2457450" cy="2457450"/>
+          </a:xfrm>
+          <a:prstGeom prst="star7">
+            <a:avLst/>
+          </a:prstGeom>
+        </p:spPr>
+        <p:style>
+          <a:lnRef idx="2">
+            <a:schemeClr val="accent1">
+              <a:shade val="50000"/>
+            </a:schemeClr>
+          </a:lnRef>
+          <a:fillRef idx="1">
+            <a:schemeClr val="accent1"/>
+          </a:fillRef>
+          <a:effectRef idx="0">
+            <a:schemeClr val="accent1"/>
+          </a:effectRef>
+          <a:fontRef idx="minor">
+            <a:schemeClr val="lt1"/>
+          </a:fontRef>
+        </p:style>
+        <p:txBody>
+          <a:bodyPr rtlCol="0" anchor="ctr"/>
+          <a:p>
+            <a:pPr algn="ctr"/>
+            <a:r>
+              <a:rPr lang="en-US" altLang="zh-CN" sz="2800"/>
+              <a:t>Service B</a:t>
+            </a:r>
+            <a:endParaRPr lang="en-US" altLang="zh-CN" sz="2800"/>
+          </a:p>
+        </p:txBody>
+      </p:sp>
+      <p:sp>
+        <p:nvSpPr>
+          <p:cNvPr id="3" name="右箭头 2"/>
+          <p:cNvSpPr/>
+          <p:nvPr/>
+        </p:nvSpPr>
+        <p:spPr>
+          <a:xfrm>
+            <a:off x="4670425" y="2121535"/>
+            <a:ext cx="2593975" cy="1205865"/>
+          </a:xfrm>
+          <a:prstGeom prst="rightArrow">
+            <a:avLst/>
+          </a:prstGeom>
+        </p:spPr>
+        <p:style>
+          <a:lnRef idx="2">
+            <a:schemeClr val="accent2">
+              <a:shade val="50000"/>
+            </a:schemeClr>
+          </a:lnRef>
+          <a:fillRef idx="1">
+            <a:schemeClr val="accent2"/>
+          </a:fillRef>
+          <a:effectRef idx="0">
+            <a:schemeClr val="accent2"/>
+          </a:effectRef>
+          <a:fontRef idx="minor">
+            <a:schemeClr val="lt1"/>
+          </a:fontRef>
+        </p:style>
+        <p:txBody>
+          <a:bodyPr rtlCol="0" anchor="ctr"/>
+          <a:p>
+            <a:pPr algn="ctr"/>
+            <a:endParaRPr lang="zh-CN" altLang="en-US"/>
+          </a:p>
+        </p:txBody>
+      </p:sp>
     </p:spTree>
   </p:cSld>
   <p:clrMapOvr>
@@ -18400,7 +18050,7 @@
         <p:spPr/>
         <p:txBody>
           <a:bodyPr>
-            <a:normAutofit fontScale="90000"/>
+            <a:normAutofit/>
             <a:scene3d>
               <a:camera prst="orthographicFront"/>
               <a:lightRig rig="threePt" dir="t"/>
@@ -18427,49 +18077,7 @@
                   </a:outerShdw>
                 </a:effectLst>
               </a:rPr>
-              <a:t>The data is hidden </a:t>
-            </a:r>
-            <a:r>
-              <a:rPr lang="en-US" dirty="0" smtClean="0">
-                <a:ln w="10160">
-                  <a:solidFill>
-                    <a:schemeClr val="accent5"/>
-                  </a:solidFill>
-                  <a:prstDash val="solid"/>
-                </a:ln>
-                <a:solidFill>
-                  <a:srgbClr val="FFFFFF"/>
-                </a:solidFill>
-                <a:effectLst>
-                  <a:outerShdw blurRad="38100" dist="22860" dir="5400000" algn="tl" rotWithShape="0">
-                    <a:srgbClr val="000000">
-                      <a:alpha val="30000"/>
-                    </a:srgbClr>
-                  </a:outerShdw>
-                </a:effectLst>
-              </a:rPr>
-              <a:t>and protected</a:t>
-            </a:r>
-            <a:r>
-              <a:rPr dirty="0" smtClean="0">
-                <a:ln w="10160">
-                  <a:solidFill>
-                    <a:schemeClr val="accent5"/>
-                  </a:solidFill>
-                  <a:prstDash val="solid"/>
-                </a:ln>
-                <a:solidFill>
-                  <a:srgbClr val="FFFFFF"/>
-                </a:solidFill>
-                <a:effectLst>
-                  <a:outerShdw blurRad="38100" dist="22860" dir="5400000" algn="tl" rotWithShape="0">
-                    <a:srgbClr val="000000">
-                      <a:alpha val="30000"/>
-                    </a:srgbClr>
-                  </a:outerShdw>
-                </a:effectLst>
-              </a:rPr>
-              <a:t> under the service</a:t>
+              <a:t>The data is hidden under the service</a:t>
             </a:r>
             <a:endParaRPr dirty="0" smtClean="0">
               <a:ln w="10160">
@@ -18552,8 +18160,9 @@
                   <a:srgbClr val="FF0000"/>
                 </a:solidFill>
                 <a:effectLst/>
+                <a:sym typeface="+mn-ea"/>
               </a:rPr>
-              <a:t>Hardly to change</a:t>
+              <a:t>nearsightedness</a:t>
             </a:r>
             <a:endParaRPr lang="en-US" sz="3600" dirty="0" smtClean="0">
               <a:ln w="22225">
@@ -18586,7 +18195,7 @@
                 </a:solidFill>
                 <a:effectLst/>
               </a:rPr>
-              <a:t>Building a global view is difficult</a:t>
+              <a:t>Hardly to change</a:t>
             </a:r>
             <a:endParaRPr lang="en-US" sz="3600" dirty="0" smtClean="0">
               <a:ln w="22225">
@@ -18619,7 +18228,7 @@
                 </a:solidFill>
                 <a:effectLst/>
               </a:rPr>
-              <a:t>make data dirty</a:t>
+              <a:t>easy to make data dirty by developer</a:t>
             </a:r>
             <a:endParaRPr lang="en-US" sz="3600" dirty="0" smtClean="0">
               <a:ln w="22225">
@@ -18639,54 +18248,6 @@
               <a:buFont typeface="Arial" panose="020B0604020202020204" pitchFamily="34" charset="0"/>
               <a:buChar char="•"/>
             </a:pPr>
-            <a:r>
-              <a:rPr lang="en-US" sz="3600" dirty="0" smtClean="0">
-                <a:ln w="22225">
-                  <a:solidFill>
-                    <a:srgbClr val="FFC000"/>
-                  </a:solidFill>
-                  <a:prstDash val="solid"/>
-                </a:ln>
-                <a:solidFill>
-                  <a:srgbClr val="FF0000"/>
-                </a:solidFill>
-                <a:effectLst/>
-              </a:rPr>
-              <a:t>easy to form historical burden</a:t>
-            </a:r>
-            <a:endParaRPr lang="en-US" sz="3600" dirty="0" smtClean="0">
-              <a:ln w="22225">
-                <a:solidFill>
-                  <a:srgbClr val="FFC000"/>
-                </a:solidFill>
-                <a:prstDash val="solid"/>
-              </a:ln>
-              <a:solidFill>
-                <a:srgbClr val="FF0000"/>
-              </a:solidFill>
-              <a:effectLst/>
-            </a:endParaRPr>
-          </a:p>
-          <a:p>
-            <a:pPr marL="742950" indent="-742950">
-              <a:buFont typeface="Arial" panose="020B0604020202020204" pitchFamily="34" charset="0"/>
-              <a:buChar char="•"/>
-            </a:pPr>
-            <a:r>
-              <a:rPr lang="en-US" sz="3600" dirty="0" smtClean="0">
-                <a:ln w="22225">
-                  <a:solidFill>
-                    <a:srgbClr val="FFC000"/>
-                  </a:solidFill>
-                  <a:prstDash val="solid"/>
-                </a:ln>
-                <a:solidFill>
-                  <a:srgbClr val="FF0000"/>
-                </a:solidFill>
-                <a:effectLst/>
-              </a:rPr>
-              <a:t>nearsightedness</a:t>
-            </a:r>
             <a:endParaRPr lang="en-US" sz="3600" dirty="0" smtClean="0">
               <a:ln w="22225">
                 <a:solidFill>
@@ -18704,31 +18265,22 @@
       </p:sp>
       <p:pic>
         <p:nvPicPr>
-          <p:cNvPr id="4" name="图片 3"/>
+          <p:cNvPr id="3" name="图片 2"/>
           <p:cNvPicPr>
             <a:picLocks noChangeAspect="1"/>
           </p:cNvPicPr>
           <p:nvPr/>
         </p:nvPicPr>
         <p:blipFill>
-          <a:blip r:embed="rId1">
-            <a:extLst>
-              <a:ext uri="{BEBA8EAE-BF5A-486C-A8C5-ECC9F3942E4B}">
-                <a14:imgProps xmlns:a14="http://schemas.microsoft.com/office/drawing/2010/main">
-                  <a14:imgLayer r:embed="rId2"/>
-                </a14:imgProps>
-              </a:ext>
-            </a:extLst>
-          </a:blip>
-          <a:srcRect/>
+          <a:blip r:embed="rId1"/>
           <a:stretch>
             <a:fillRect/>
           </a:stretch>
         </p:blipFill>
         <p:spPr>
           <a:xfrm>
-            <a:off x="1147445" y="2423160"/>
-            <a:ext cx="2895600" cy="2895600"/>
+            <a:off x="838200" y="2406015"/>
+            <a:ext cx="3429000" cy="2567940"/>
           </a:xfrm>
           <a:prstGeom prst="rect">
             <a:avLst/>
